--- a/LO3/Presentaties/PresentatieW4_FreshChoice_ppt.pptx
+++ b/LO3/Presentaties/PresentatieW4_FreshChoice_ppt.pptx
@@ -5,16 +5,17 @@
     <p:sldMasterId id="2147483648" r:id="rId1"/>
   </p:sldMasterIdLst>
   <p:notesMasterIdLst>
-    <p:notesMasterId r:id="rId9"/>
+    <p:notesMasterId r:id="rId10"/>
   </p:notesMasterIdLst>
   <p:sldIdLst>
     <p:sldId id="256" r:id="rId2"/>
     <p:sldId id="266" r:id="rId3"/>
     <p:sldId id="267" r:id="rId4"/>
     <p:sldId id="264" r:id="rId5"/>
-    <p:sldId id="257" r:id="rId6"/>
-    <p:sldId id="258" r:id="rId7"/>
-    <p:sldId id="265" r:id="rId8"/>
+    <p:sldId id="268" r:id="rId6"/>
+    <p:sldId id="257" r:id="rId7"/>
+    <p:sldId id="258" r:id="rId8"/>
+    <p:sldId id="265" r:id="rId9"/>
   </p:sldIdLst>
   <p:sldSz cx="12192000" cy="6858000"/>
   <p:notesSz cx="6858000" cy="9144000"/>
@@ -124,7 +125,7 @@
 <file path=ppt/revisionInfo.xml><?xml version="1.0" encoding="utf-8"?>
 <p1510:revInfo xmlns:a="http://schemas.openxmlformats.org/drawingml/2006/main" xmlns:r="http://schemas.openxmlformats.org/officeDocument/2006/relationships" xmlns:p1510="http://schemas.microsoft.com/office/powerpoint/2015/10/main">
   <p1510:revLst>
-    <p1510:client id="{05C88A68-3A1C-D394-68D8-113416C50939}" v="301" dt="2026-01-16T09:02:02.157"/>
+    <p1510:client id="{05C88A68-3A1C-D394-68D8-113416C50939}" v="320" dt="2026-01-16T09:31:21.296"/>
   </p1510:revLst>
 </p1510:revInfo>
 </file>
@@ -4807,6 +4808,109 @@
   <p:cSld>
     <p:spTree>
       <p:nvGrpSpPr>
+        <p:cNvPr id="1" name="">
+          <a:extLst>
+            <a:ext uri="{FF2B5EF4-FFF2-40B4-BE49-F238E27FC236}">
+              <a16:creationId xmlns:a16="http://schemas.microsoft.com/office/drawing/2014/main" id="{AB512A79-8EBD-7360-C528-D38BC80B1EE4}"/>
+            </a:ext>
+          </a:extLst>
+        </p:cNvPr>
+        <p:cNvGrpSpPr/>
+        <p:nvPr/>
+      </p:nvGrpSpPr>
+      <p:grpSpPr>
+        <a:xfrm>
+          <a:off x="0" y="0"/>
+          <a:ext cx="0" cy="0"/>
+          <a:chOff x="0" y="0"/>
+          <a:chExt cx="0" cy="0"/>
+        </a:xfrm>
+      </p:grpSpPr>
+      <p:pic>
+        <p:nvPicPr>
+          <p:cNvPr id="5" name="Afbeelding 4">
+            <a:extLst>
+              <a:ext uri="{FF2B5EF4-FFF2-40B4-BE49-F238E27FC236}">
+                <a16:creationId xmlns:a16="http://schemas.microsoft.com/office/drawing/2014/main" id="{E334D0C5-20BD-6614-6277-F556B9C75711}"/>
+              </a:ext>
+            </a:extLst>
+          </p:cNvPr>
+          <p:cNvPicPr>
+            <a:picLocks noChangeAspect="1"/>
+          </p:cNvPicPr>
+          <p:nvPr/>
+        </p:nvPicPr>
+        <p:blipFill>
+          <a:blip r:embed="rId2">
+            <a:extLst>
+              <a:ext uri="{28A0092B-C50C-407E-A947-70E740481C1C}">
+                <a14:useLocalDpi xmlns:a14="http://schemas.microsoft.com/office/drawing/2010/main" val="0"/>
+              </a:ext>
+            </a:extLst>
+          </a:blip>
+          <a:srcRect t="5730" r="2939" b="39674"/>
+          <a:stretch>
+            <a:fillRect/>
+          </a:stretch>
+        </p:blipFill>
+        <p:spPr>
+          <a:xfrm>
+            <a:off x="1" y="0"/>
+            <a:ext cx="12192000" cy="6858000"/>
+          </a:xfrm>
+          <a:prstGeom prst="rect">
+            <a:avLst/>
+          </a:prstGeom>
+        </p:spPr>
+      </p:pic>
+      <p:pic>
+        <p:nvPicPr>
+          <p:cNvPr id="4" name="Picture 3">
+            <a:extLst>
+              <a:ext uri="{FF2B5EF4-FFF2-40B4-BE49-F238E27FC236}">
+                <a16:creationId xmlns:a16="http://schemas.microsoft.com/office/drawing/2014/main" id="{2EE3FA0A-C992-2658-1BEA-BDBEA83E2A36}"/>
+              </a:ext>
+            </a:extLst>
+          </p:cNvPr>
+          <p:cNvPicPr>
+            <a:picLocks noChangeAspect="1"/>
+          </p:cNvPicPr>
+          <p:nvPr/>
+        </p:nvPicPr>
+        <p:blipFill>
+          <a:blip r:embed="rId3"/>
+          <a:stretch>
+            <a:fillRect/>
+          </a:stretch>
+        </p:blipFill>
+        <p:spPr>
+          <a:xfrm>
+            <a:off x="503355" y="209282"/>
+            <a:ext cx="11190657" cy="6439437"/>
+          </a:xfrm>
+          <a:prstGeom prst="rect">
+            <a:avLst/>
+          </a:prstGeom>
+        </p:spPr>
+      </p:pic>
+    </p:spTree>
+    <p:extLst>
+      <p:ext uri="{BB962C8B-B14F-4D97-AF65-F5344CB8AC3E}">
+        <p14:creationId xmlns:p14="http://schemas.microsoft.com/office/powerpoint/2010/main" val="2213971729"/>
+      </p:ext>
+    </p:extLst>
+  </p:cSld>
+  <p:clrMapOvr>
+    <a:masterClrMapping/>
+  </p:clrMapOvr>
+</p:sld>
+</file>
+
+<file path=ppt/slides/slide6.xml><?xml version="1.0" encoding="utf-8"?>
+<p:sld xmlns:a="http://schemas.openxmlformats.org/drawingml/2006/main" xmlns:r="http://schemas.openxmlformats.org/officeDocument/2006/relationships" xmlns:p="http://schemas.openxmlformats.org/presentationml/2006/main">
+  <p:cSld>
+    <p:spTree>
+      <p:nvGrpSpPr>
         <p:cNvPr id="1" name=""/>
         <p:cNvGrpSpPr/>
         <p:nvPr/>
@@ -5048,7 +5152,7 @@
 </p:sld>
 </file>
 
-<file path=ppt/slides/slide6.xml><?xml version="1.0" encoding="utf-8"?>
+<file path=ppt/slides/slide7.xml><?xml version="1.0" encoding="utf-8"?>
 <p:sld xmlns:a="http://schemas.openxmlformats.org/drawingml/2006/main" xmlns:r="http://schemas.openxmlformats.org/officeDocument/2006/relationships" xmlns:p="http://schemas.openxmlformats.org/presentationml/2006/main">
   <p:cSld>
     <p:spTree>
@@ -5229,7 +5333,7 @@
 </p:sld>
 </file>
 
-<file path=ppt/slides/slide7.xml><?xml version="1.0" encoding="utf-8"?>
+<file path=ppt/slides/slide8.xml><?xml version="1.0" encoding="utf-8"?>
 <p:sld xmlns:a="http://schemas.openxmlformats.org/drawingml/2006/main" xmlns:r="http://schemas.openxmlformats.org/officeDocument/2006/relationships" xmlns:p="http://schemas.openxmlformats.org/presentationml/2006/main">
   <p:cSld>
     <p:spTree>
